--- a/Documentation/Final Project Presentation.pptx
+++ b/Documentation/Final Project Presentation.pptx
@@ -114,6 +114,11 @@
       </a:defRPr>
     </a:lvl9pPr>
   </p:defaultTextStyle>
+  <p:extLst>
+    <p:ext uri="{EFAFB233-063F-42B5-8137-9DF3F51BA10A}">
+      <p15:sldGuideLst xmlns:p15="http://schemas.microsoft.com/office/powerpoint/2012/main"/>
+    </p:ext>
+  </p:extLst>
 </p:presentation>
 </file>
 
@@ -303,7 +308,7 @@
           <a:p>
             <a:fld id="{6D9515F0-60EE-424D-BA14-C8C6E83076E6}" type="datetimeFigureOut">
               <a:rPr lang="en-GB" smtClean="0"/>
-              <a:t>12/02/2017</a:t>
+              <a:t>13/02/2017</a:t>
             </a:fld>
             <a:endParaRPr lang="en-GB"/>
           </a:p>
@@ -578,7 +583,7 @@
           <a:p>
             <a:fld id="{6D9515F0-60EE-424D-BA14-C8C6E83076E6}" type="datetimeFigureOut">
               <a:rPr lang="en-GB" smtClean="0"/>
-              <a:t>12/02/2017</a:t>
+              <a:t>13/02/2017</a:t>
             </a:fld>
             <a:endParaRPr lang="en-GB"/>
           </a:p>
@@ -772,7 +777,7 @@
           <a:p>
             <a:fld id="{6D9515F0-60EE-424D-BA14-C8C6E83076E6}" type="datetimeFigureOut">
               <a:rPr lang="en-GB" smtClean="0"/>
-              <a:t>12/02/2017</a:t>
+              <a:t>13/02/2017</a:t>
             </a:fld>
             <a:endParaRPr lang="en-GB"/>
           </a:p>
@@ -1045,7 +1050,7 @@
           <a:p>
             <a:fld id="{6D9515F0-60EE-424D-BA14-C8C6E83076E6}" type="datetimeFigureOut">
               <a:rPr lang="en-GB" smtClean="0"/>
-              <a:t>12/02/2017</a:t>
+              <a:t>13/02/2017</a:t>
             </a:fld>
             <a:endParaRPr lang="en-GB"/>
           </a:p>
@@ -1386,7 +1391,7 @@
           <a:p>
             <a:fld id="{6D9515F0-60EE-424D-BA14-C8C6E83076E6}" type="datetimeFigureOut">
               <a:rPr lang="en-GB" smtClean="0"/>
-              <a:t>12/02/2017</a:t>
+              <a:t>13/02/2017</a:t>
             </a:fld>
             <a:endParaRPr lang="en-GB"/>
           </a:p>
@@ -2009,7 +2014,7 @@
           <a:p>
             <a:fld id="{6D9515F0-60EE-424D-BA14-C8C6E83076E6}" type="datetimeFigureOut">
               <a:rPr lang="en-GB" smtClean="0"/>
-              <a:t>12/02/2017</a:t>
+              <a:t>13/02/2017</a:t>
             </a:fld>
             <a:endParaRPr lang="en-GB"/>
           </a:p>
@@ -2869,7 +2874,7 @@
           <a:p>
             <a:fld id="{6D9515F0-60EE-424D-BA14-C8C6E83076E6}" type="datetimeFigureOut">
               <a:rPr lang="en-GB" smtClean="0"/>
-              <a:t>12/02/2017</a:t>
+              <a:t>13/02/2017</a:t>
             </a:fld>
             <a:endParaRPr lang="en-GB"/>
           </a:p>
@@ -3039,7 +3044,7 @@
           <a:p>
             <a:fld id="{6D9515F0-60EE-424D-BA14-C8C6E83076E6}" type="datetimeFigureOut">
               <a:rPr lang="en-GB" smtClean="0"/>
-              <a:t>12/02/2017</a:t>
+              <a:t>13/02/2017</a:t>
             </a:fld>
             <a:endParaRPr lang="en-GB"/>
           </a:p>
@@ -3219,7 +3224,7 @@
           <a:p>
             <a:fld id="{6D9515F0-60EE-424D-BA14-C8C6E83076E6}" type="datetimeFigureOut">
               <a:rPr lang="en-GB" smtClean="0"/>
-              <a:t>12/02/2017</a:t>
+              <a:t>13/02/2017</a:t>
             </a:fld>
             <a:endParaRPr lang="en-GB"/>
           </a:p>
@@ -3389,7 +3394,7 @@
           <a:p>
             <a:fld id="{6D9515F0-60EE-424D-BA14-C8C6E83076E6}" type="datetimeFigureOut">
               <a:rPr lang="en-GB" smtClean="0"/>
-              <a:t>12/02/2017</a:t>
+              <a:t>13/02/2017</a:t>
             </a:fld>
             <a:endParaRPr lang="en-GB"/>
           </a:p>
@@ -3636,7 +3641,7 @@
           <a:p>
             <a:fld id="{6D9515F0-60EE-424D-BA14-C8C6E83076E6}" type="datetimeFigureOut">
               <a:rPr lang="en-GB" smtClean="0"/>
-              <a:t>12/02/2017</a:t>
+              <a:t>13/02/2017</a:t>
             </a:fld>
             <a:endParaRPr lang="en-GB"/>
           </a:p>
@@ -3928,7 +3933,7 @@
           <a:p>
             <a:fld id="{6D9515F0-60EE-424D-BA14-C8C6E83076E6}" type="datetimeFigureOut">
               <a:rPr lang="en-GB" smtClean="0"/>
-              <a:t>12/02/2017</a:t>
+              <a:t>13/02/2017</a:t>
             </a:fld>
             <a:endParaRPr lang="en-GB"/>
           </a:p>
@@ -4372,7 +4377,7 @@
           <a:p>
             <a:fld id="{6D9515F0-60EE-424D-BA14-C8C6E83076E6}" type="datetimeFigureOut">
               <a:rPr lang="en-GB" smtClean="0"/>
-              <a:t>12/02/2017</a:t>
+              <a:t>13/02/2017</a:t>
             </a:fld>
             <a:endParaRPr lang="en-GB"/>
           </a:p>
@@ -4490,7 +4495,7 @@
           <a:p>
             <a:fld id="{6D9515F0-60EE-424D-BA14-C8C6E83076E6}" type="datetimeFigureOut">
               <a:rPr lang="en-GB" smtClean="0"/>
-              <a:t>12/02/2017</a:t>
+              <a:t>13/02/2017</a:t>
             </a:fld>
             <a:endParaRPr lang="en-GB"/>
           </a:p>
@@ -4585,7 +4590,7 @@
           <a:p>
             <a:fld id="{6D9515F0-60EE-424D-BA14-C8C6E83076E6}" type="datetimeFigureOut">
               <a:rPr lang="en-GB" smtClean="0"/>
-              <a:t>12/02/2017</a:t>
+              <a:t>13/02/2017</a:t>
             </a:fld>
             <a:endParaRPr lang="en-GB"/>
           </a:p>
@@ -4864,7 +4869,7 @@
           <a:p>
             <a:fld id="{6D9515F0-60EE-424D-BA14-C8C6E83076E6}" type="datetimeFigureOut">
               <a:rPr lang="en-GB" smtClean="0"/>
-              <a:t>12/02/2017</a:t>
+              <a:t>13/02/2017</a:t>
             </a:fld>
             <a:endParaRPr lang="en-GB"/>
           </a:p>
@@ -5139,7 +5144,7 @@
           <a:p>
             <a:fld id="{6D9515F0-60EE-424D-BA14-C8C6E83076E6}" type="datetimeFigureOut">
               <a:rPr lang="en-GB" smtClean="0"/>
-              <a:t>12/02/2017</a:t>
+              <a:t>13/02/2017</a:t>
             </a:fld>
             <a:endParaRPr lang="en-GB"/>
           </a:p>
@@ -5568,7 +5573,7 @@
           <a:p>
             <a:fld id="{6D9515F0-60EE-424D-BA14-C8C6E83076E6}" type="datetimeFigureOut">
               <a:rPr lang="en-GB" smtClean="0"/>
-              <a:t>12/02/2017</a:t>
+              <a:t>13/02/2017</a:t>
             </a:fld>
             <a:endParaRPr lang="en-GB"/>
           </a:p>
@@ -6155,7 +6160,6 @@
               <a:rPr lang="en-GB" dirty="0"/>
               <a:t>http://www.jpgamesdesign.co.uk/</a:t>
             </a:r>
-            <a:endParaRPr lang="en-GB" dirty="0"/>
           </a:p>
         </p:txBody>
       </p:sp>
@@ -6189,6 +6193,42 @@
           <a:chExt cx="0" cy="0"/>
         </a:xfrm>
       </p:grpSpPr>
+      <p:pic>
+        <p:nvPicPr>
+          <p:cNvPr id="4" name="Picture 3"/>
+          <p:cNvPicPr>
+            <a:picLocks noChangeAspect="1"/>
+          </p:cNvPicPr>
+          <p:nvPr/>
+        </p:nvPicPr>
+        <p:blipFill rotWithShape="1">
+          <a:blip r:embed="rId2">
+            <a:extLst>
+              <a:ext uri="{28A0092B-C50C-407E-A947-70E740481C1C}">
+                <a14:useLocalDpi xmlns:a14="http://schemas.microsoft.com/office/drawing/2010/main" val="0"/>
+              </a:ext>
+            </a:extLst>
+          </a:blip>
+          <a:srcRect l="1684" r="875" b="-2"/>
+          <a:stretch/>
+        </p:blipFill>
+        <p:spPr>
+          <a:xfrm>
+            <a:off x="6091916" y="2052213"/>
+            <a:ext cx="5451627" cy="4196185"/>
+          </a:xfrm>
+          <a:prstGeom prst="rect">
+            <a:avLst/>
+          </a:prstGeom>
+          <a:effectLst>
+            <a:outerShdw blurRad="50800" dist="38100" dir="5400000" algn="t" rotWithShape="0">
+              <a:prstClr val="black">
+                <a:alpha val="43000"/>
+              </a:prstClr>
+            </a:outerShdw>
+          </a:effectLst>
+        </p:spPr>
+      </p:pic>
       <p:sp>
         <p:nvSpPr>
           <p:cNvPr id="2" name="Title 1"/>
@@ -6199,9 +6239,16 @@
             <p:ph type="title"/>
           </p:nvPr>
         </p:nvSpPr>
-        <p:spPr/>
-        <p:txBody>
-          <a:bodyPr/>
+        <p:spPr>
+          <a:xfrm>
+            <a:off x="648930" y="629266"/>
+            <a:ext cx="9252154" cy="1223983"/>
+          </a:xfrm>
+        </p:spPr>
+        <p:txBody>
+          <a:bodyPr>
+            <a:normAutofit/>
+          </a:bodyPr>
           <a:lstStyle/>
           <a:p>
             <a:r>
@@ -6221,19 +6268,26 @@
             <p:ph idx="1"/>
           </p:nvPr>
         </p:nvSpPr>
-        <p:spPr/>
-        <p:txBody>
-          <a:bodyPr/>
-          <a:lstStyle/>
-          <a:p>
-            <a:r>
-              <a:rPr lang="en-GB" sz="2800" dirty="0"/>
+        <p:spPr>
+          <a:xfrm>
+            <a:off x="1103311" y="2052214"/>
+            <a:ext cx="4338409" cy="4196185"/>
+          </a:xfrm>
+        </p:spPr>
+        <p:txBody>
+          <a:bodyPr>
+            <a:normAutofit/>
+          </a:bodyPr>
+          <a:lstStyle/>
+          <a:p>
+            <a:r>
+              <a:rPr lang="en-GB"/>
               <a:t>Start to plan out prop placement</a:t>
             </a:r>
           </a:p>
           <a:p>
             <a:r>
-              <a:rPr lang="en-GB" sz="2800" dirty="0"/>
+              <a:rPr lang="en-GB"/>
               <a:t>Start to compile the map as I complete assets</a:t>
             </a:r>
           </a:p>
@@ -6501,6 +6555,66 @@
           </a:p>
         </p:txBody>
       </p:sp>
+      <p:pic>
+        <p:nvPicPr>
+          <p:cNvPr id="3" name="Picture 2"/>
+          <p:cNvPicPr>
+            <a:picLocks noChangeAspect="1"/>
+          </p:cNvPicPr>
+          <p:nvPr/>
+        </p:nvPicPr>
+        <p:blipFill>
+          <a:blip r:embed="rId2">
+            <a:extLst>
+              <a:ext uri="{28A0092B-C50C-407E-A947-70E740481C1C}">
+                <a14:useLocalDpi xmlns:a14="http://schemas.microsoft.com/office/drawing/2010/main" val="0"/>
+              </a:ext>
+            </a:extLst>
+          </a:blip>
+          <a:stretch>
+            <a:fillRect/>
+          </a:stretch>
+        </p:blipFill>
+        <p:spPr>
+          <a:xfrm>
+            <a:off x="5519168" y="922924"/>
+            <a:ext cx="3279600" cy="2427477"/>
+          </a:xfrm>
+          <a:prstGeom prst="rect">
+            <a:avLst/>
+          </a:prstGeom>
+        </p:spPr>
+      </p:pic>
+      <p:pic>
+        <p:nvPicPr>
+          <p:cNvPr id="4" name="Picture 3"/>
+          <p:cNvPicPr>
+            <a:picLocks noChangeAspect="1"/>
+          </p:cNvPicPr>
+          <p:nvPr/>
+        </p:nvPicPr>
+        <p:blipFill>
+          <a:blip r:embed="rId3">
+            <a:extLst>
+              <a:ext uri="{28A0092B-C50C-407E-A947-70E740481C1C}">
+                <a14:useLocalDpi xmlns:a14="http://schemas.microsoft.com/office/drawing/2010/main" val="0"/>
+              </a:ext>
+            </a:extLst>
+          </a:blip>
+          <a:stretch>
+            <a:fillRect/>
+          </a:stretch>
+        </p:blipFill>
+        <p:spPr>
+          <a:xfrm>
+            <a:off x="6911911" y="3636421"/>
+            <a:ext cx="3920931" cy="2615996"/>
+          </a:xfrm>
+          <a:prstGeom prst="rect">
+            <a:avLst/>
+          </a:prstGeom>
+        </p:spPr>
+      </p:pic>
     </p:spTree>
     <p:extLst>
       <p:ext uri="{BB962C8B-B14F-4D97-AF65-F5344CB8AC3E}">
@@ -6588,6 +6702,122 @@
           <a:chExt cx="0" cy="0"/>
         </a:xfrm>
       </p:grpSpPr>
+      <p:pic>
+        <p:nvPicPr>
+          <p:cNvPr id="5" name="Picture 4"/>
+          <p:cNvPicPr>
+            <a:picLocks noChangeAspect="1"/>
+          </p:cNvPicPr>
+          <p:nvPr/>
+        </p:nvPicPr>
+        <p:blipFill rotWithShape="1">
+          <a:blip r:embed="rId2">
+            <a:extLst>
+              <a:ext uri="{28A0092B-C50C-407E-A947-70E740481C1C}">
+                <a14:useLocalDpi xmlns:a14="http://schemas.microsoft.com/office/drawing/2010/main" val="0"/>
+              </a:ext>
+            </a:extLst>
+          </a:blip>
+          <a:srcRect t="6073" r="-4" b="1487"/>
+          <a:stretch/>
+        </p:blipFill>
+        <p:spPr>
+          <a:xfrm>
+            <a:off x="7554138" y="609137"/>
+            <a:ext cx="3990161" cy="2766290"/>
+          </a:xfrm>
+          <a:prstGeom prst="rect">
+            <a:avLst/>
+          </a:prstGeom>
+          <a:effectLst>
+            <a:outerShdw blurRad="50800" dist="38100" dir="5400000" algn="t" rotWithShape="0">
+              <a:prstClr val="black">
+                <a:alpha val="43000"/>
+              </a:prstClr>
+            </a:outerShdw>
+          </a:effectLst>
+        </p:spPr>
+      </p:pic>
+      <p:pic>
+        <p:nvPicPr>
+          <p:cNvPr id="3" name="Picture 2"/>
+          <p:cNvPicPr>
+            <a:picLocks noChangeAspect="1"/>
+          </p:cNvPicPr>
+          <p:nvPr/>
+        </p:nvPicPr>
+        <p:blipFill rotWithShape="1">
+          <a:blip r:embed="rId3">
+            <a:extLst>
+              <a:ext uri="{28A0092B-C50C-407E-A947-70E740481C1C}">
+                <a14:useLocalDpi xmlns:a14="http://schemas.microsoft.com/office/drawing/2010/main" val="0"/>
+              </a:ext>
+            </a:extLst>
+          </a:blip>
+          <a:srcRect t="3821" r="-4" b="3739"/>
+          <a:stretch/>
+        </p:blipFill>
+        <p:spPr>
+          <a:xfrm>
+            <a:off x="7554138" y="3482108"/>
+            <a:ext cx="3990161" cy="2766290"/>
+          </a:xfrm>
+          <a:prstGeom prst="rect">
+            <a:avLst/>
+          </a:prstGeom>
+          <a:effectLst>
+            <a:outerShdw blurRad="50800" dist="38100" dir="5400000" algn="t" rotWithShape="0">
+              <a:prstClr val="black">
+                <a:alpha val="43000"/>
+              </a:prstClr>
+            </a:outerShdw>
+          </a:effectLst>
+        </p:spPr>
+      </p:pic>
+      <p:sp>
+        <p:nvSpPr>
+          <p:cNvPr id="9" name="Rectangle 8"/>
+          <p:cNvSpPr>
+            <a:spLocks noGrp="1" noRot="1" noChangeAspect="1" noMove="1" noResize="1" noEditPoints="1" noAdjustHandles="1" noChangeArrowheads="1" noChangeShapeType="1" noTextEdit="1"/>
+          </p:cNvSpPr>
+          <p:nvPr>
+            <p:extLst>
+              <p:ext uri="{386F3935-93C4-4BCD-93E2-E3B085C9AB24}">
+                <p16:designElem xmlns:p16="http://schemas.microsoft.com/office/powerpoint/2015/main" val="1"/>
+              </p:ext>
+            </p:extLst>
+          </p:nvPr>
+        </p:nvSpPr>
+        <p:spPr>
+          <a:xfrm>
+            <a:off x="10437812" y="0"/>
+            <a:ext cx="685800" cy="1143000"/>
+          </a:xfrm>
+          <a:prstGeom prst="rect">
+            <a:avLst/>
+          </a:prstGeom>
+          <a:solidFill>
+            <a:schemeClr val="accent1"/>
+          </a:solidFill>
+          <a:ln>
+            <a:noFill/>
+          </a:ln>
+        </p:spPr>
+        <p:style>
+          <a:lnRef idx="1">
+            <a:schemeClr val="accent1"/>
+          </a:lnRef>
+          <a:fillRef idx="3">
+            <a:schemeClr val="accent1"/>
+          </a:fillRef>
+          <a:effectRef idx="2">
+            <a:schemeClr val="accent1"/>
+          </a:effectRef>
+          <a:fontRef idx="minor">
+            <a:schemeClr val="lt1"/>
+          </a:fontRef>
+        </p:style>
+      </p:sp>
       <p:sp>
         <p:nvSpPr>
           <p:cNvPr id="2" name="Title 1"/>
@@ -6598,32 +6828,10 @@
             <p:ph type="title"/>
           </p:nvPr>
         </p:nvSpPr>
-        <p:spPr/>
-        <p:txBody>
-          <a:bodyPr/>
-          <a:lstStyle/>
-          <a:p>
-            <a:r>
-              <a:rPr lang="en-GB" dirty="0"/>
-              <a:t>Buildings</a:t>
-            </a:r>
-          </a:p>
-        </p:txBody>
-      </p:sp>
-      <p:sp>
-        <p:nvSpPr>
-          <p:cNvPr id="4" name="Content Placeholder 2"/>
-          <p:cNvSpPr>
-            <a:spLocks noGrp="1"/>
-          </p:cNvSpPr>
-          <p:nvPr>
-            <p:ph idx="1"/>
-          </p:nvPr>
-        </p:nvSpPr>
-        <p:spPr>
-          <a:xfrm>
-            <a:off x="646111" y="1465688"/>
-            <a:ext cx="3707775" cy="4195481"/>
+        <p:spPr>
+          <a:xfrm>
+            <a:off x="646111" y="609601"/>
+            <a:ext cx="6246093" cy="1675975"/>
           </a:xfrm>
         </p:spPr>
         <p:txBody>
@@ -6633,6 +6841,35 @@
           <a:lstStyle/>
           <a:p>
             <a:r>
+              <a:rPr lang="en-GB" dirty="0"/>
+              <a:t>Buildings</a:t>
+            </a:r>
+          </a:p>
+        </p:txBody>
+      </p:sp>
+      <p:sp>
+        <p:nvSpPr>
+          <p:cNvPr id="4" name="Content Placeholder 2"/>
+          <p:cNvSpPr>
+            <a:spLocks noGrp="1"/>
+          </p:cNvSpPr>
+          <p:nvPr>
+            <p:ph idx="1"/>
+          </p:nvPr>
+        </p:nvSpPr>
+        <p:spPr>
+          <a:xfrm>
+            <a:off x="642175" y="2484544"/>
+            <a:ext cx="6253484" cy="3763855"/>
+          </a:xfrm>
+        </p:spPr>
+        <p:txBody>
+          <a:bodyPr>
+            <a:normAutofit/>
+          </a:bodyPr>
+          <a:lstStyle/>
+          <a:p>
+            <a:r>
               <a:rPr lang="en-GB" sz="2800" dirty="0"/>
               <a:t>Church steeple with the top and 4 windows</a:t>
             </a:r>
@@ -6647,13 +6884,13 @@
             </a:r>
           </a:p>
           <a:p>
-            <a:endParaRPr lang="en-GB" sz="2800" dirty="0"/>
+            <a:endParaRPr lang="en-GB" dirty="0"/>
           </a:p>
           <a:p>
             <a:pPr marL="0" indent="0">
               <a:buNone/>
             </a:pPr>
-            <a:endParaRPr lang="en-GB" sz="3200" dirty="0"/>
+            <a:endParaRPr lang="en-GB" dirty="0"/>
           </a:p>
           <a:p>
             <a:endParaRPr lang="en-GB" dirty="0"/>
@@ -6700,7 +6937,12 @@
             <p:ph type="title"/>
           </p:nvPr>
         </p:nvSpPr>
-        <p:spPr/>
+        <p:spPr>
+          <a:xfrm>
+            <a:off x="646111" y="452718"/>
+            <a:ext cx="9404723" cy="1400530"/>
+          </a:xfrm>
+        </p:spPr>
         <p:txBody>
           <a:bodyPr/>
           <a:lstStyle/>
@@ -6735,27 +6977,63 @@
           <a:lstStyle/>
           <a:p>
             <a:r>
-              <a:rPr lang="en-GB" sz="2800" dirty="0"/>
+              <a:rPr lang="en-GB" sz="2800"/>
               <a:t>Road tiles have now been marked out</a:t>
             </a:r>
           </a:p>
           <a:p>
             <a:r>
-              <a:rPr lang="en-GB" sz="2800" dirty="0"/>
+              <a:rPr lang="en-GB" sz="2800"/>
               <a:t>To be textured next…</a:t>
             </a:r>
           </a:p>
           <a:p>
+            <a:r>
+              <a:rPr lang="en-GB" sz="2800"/>
+              <a:t>One more tile yet to be done</a:t>
+            </a:r>
+          </a:p>
+          <a:p>
             <a:pPr marL="0" indent="0">
               <a:buNone/>
             </a:pPr>
-            <a:endParaRPr lang="en-GB" sz="3200" dirty="0"/>
+            <a:endParaRPr lang="en-GB" sz="3200"/>
           </a:p>
           <a:p>
             <a:endParaRPr lang="en-GB" dirty="0"/>
           </a:p>
         </p:txBody>
       </p:sp>
+      <p:pic>
+        <p:nvPicPr>
+          <p:cNvPr id="3" name="Picture 2"/>
+          <p:cNvPicPr>
+            <a:picLocks noChangeAspect="1"/>
+          </p:cNvPicPr>
+          <p:nvPr/>
+        </p:nvPicPr>
+        <p:blipFill>
+          <a:blip r:embed="rId2">
+            <a:extLst>
+              <a:ext uri="{28A0092B-C50C-407E-A947-70E740481C1C}">
+                <a14:useLocalDpi xmlns:a14="http://schemas.microsoft.com/office/drawing/2010/main" val="0"/>
+              </a:ext>
+            </a:extLst>
+          </a:blip>
+          <a:stretch>
+            <a:fillRect/>
+          </a:stretch>
+        </p:blipFill>
+        <p:spPr>
+          <a:xfrm>
+            <a:off x="4717409" y="1152983"/>
+            <a:ext cx="6096000" cy="4572000"/>
+          </a:xfrm>
+          <a:prstGeom prst="rect">
+            <a:avLst/>
+          </a:prstGeom>
+        </p:spPr>
+      </p:pic>
     </p:spTree>
     <p:extLst>
       <p:ext uri="{BB962C8B-B14F-4D97-AF65-F5344CB8AC3E}">
@@ -6796,13 +7074,19 @@
             <p:ph type="ctrTitle"/>
           </p:nvPr>
         </p:nvSpPr>
-        <p:spPr/>
+        <p:spPr>
+          <a:xfrm>
+            <a:off x="1154955" y="106111"/>
+            <a:ext cx="8825658" cy="3329581"/>
+          </a:xfrm>
+        </p:spPr>
         <p:txBody>
           <a:bodyPr/>
           <a:lstStyle/>
           <a:p>
-            <a:r>
-              <a:rPr lang="en-GB" dirty="0"/>
+            <a:pPr algn="ctr"/>
+            <a:r>
+              <a:rPr lang="en-GB" sz="4400" dirty="0"/>
               <a:t>My Plan from here…</a:t>
             </a:r>
           </a:p>
@@ -6902,6 +7186,36 @@
           </a:p>
         </p:txBody>
       </p:sp>
+      <p:pic>
+        <p:nvPicPr>
+          <p:cNvPr id="4" name="Picture 3"/>
+          <p:cNvPicPr>
+            <a:picLocks noChangeAspect="1"/>
+          </p:cNvPicPr>
+          <p:nvPr/>
+        </p:nvPicPr>
+        <p:blipFill>
+          <a:blip r:embed="rId2">
+            <a:extLst>
+              <a:ext uri="{28A0092B-C50C-407E-A947-70E740481C1C}">
+                <a14:useLocalDpi xmlns:a14="http://schemas.microsoft.com/office/drawing/2010/main" val="0"/>
+              </a:ext>
+            </a:extLst>
+          </a:blip>
+          <a:stretch>
+            <a:fillRect/>
+          </a:stretch>
+        </p:blipFill>
+        <p:spPr>
+          <a:xfrm>
+            <a:off x="4416490" y="954010"/>
+            <a:ext cx="3243943" cy="2432957"/>
+          </a:xfrm>
+          <a:prstGeom prst="rect">
+            <a:avLst/>
+          </a:prstGeom>
+        </p:spPr>
+      </p:pic>
     </p:spTree>
     <p:extLst>
       <p:ext uri="{BB962C8B-B14F-4D97-AF65-F5344CB8AC3E}">
@@ -6932,6 +7246,122 @@
           <a:chExt cx="0" cy="0"/>
         </a:xfrm>
       </p:grpSpPr>
+      <p:pic>
+        <p:nvPicPr>
+          <p:cNvPr id="5" name="Picture 4"/>
+          <p:cNvPicPr>
+            <a:picLocks noChangeAspect="1"/>
+          </p:cNvPicPr>
+          <p:nvPr/>
+        </p:nvPicPr>
+        <p:blipFill rotWithShape="1">
+          <a:blip r:embed="rId2">
+            <a:extLst>
+              <a:ext uri="{28A0092B-C50C-407E-A947-70E740481C1C}">
+                <a14:useLocalDpi xmlns:a14="http://schemas.microsoft.com/office/drawing/2010/main" val="0"/>
+              </a:ext>
+            </a:extLst>
+          </a:blip>
+          <a:srcRect t="14929" r="-4" b="15740"/>
+          <a:stretch/>
+        </p:blipFill>
+        <p:spPr>
+          <a:xfrm>
+            <a:off x="7554138" y="609137"/>
+            <a:ext cx="3990161" cy="2766290"/>
+          </a:xfrm>
+          <a:prstGeom prst="rect">
+            <a:avLst/>
+          </a:prstGeom>
+          <a:effectLst>
+            <a:outerShdw blurRad="50800" dist="38100" dir="5400000" algn="t" rotWithShape="0">
+              <a:prstClr val="black">
+                <a:alpha val="43000"/>
+              </a:prstClr>
+            </a:outerShdw>
+          </a:effectLst>
+        </p:spPr>
+      </p:pic>
+      <p:pic>
+        <p:nvPicPr>
+          <p:cNvPr id="4" name="Picture 3"/>
+          <p:cNvPicPr>
+            <a:picLocks noChangeAspect="1"/>
+          </p:cNvPicPr>
+          <p:nvPr/>
+        </p:nvPicPr>
+        <p:blipFill rotWithShape="1">
+          <a:blip r:embed="rId3">
+            <a:extLst>
+              <a:ext uri="{28A0092B-C50C-407E-A947-70E740481C1C}">
+                <a14:useLocalDpi xmlns:a14="http://schemas.microsoft.com/office/drawing/2010/main" val="0"/>
+              </a:ext>
+            </a:extLst>
+          </a:blip>
+          <a:srcRect r="2279" b="3"/>
+          <a:stretch/>
+        </p:blipFill>
+        <p:spPr>
+          <a:xfrm>
+            <a:off x="7554138" y="3482108"/>
+            <a:ext cx="3990161" cy="2766290"/>
+          </a:xfrm>
+          <a:prstGeom prst="rect">
+            <a:avLst/>
+          </a:prstGeom>
+          <a:effectLst>
+            <a:outerShdw blurRad="50800" dist="38100" dir="5400000" algn="t" rotWithShape="0">
+              <a:prstClr val="black">
+                <a:alpha val="43000"/>
+              </a:prstClr>
+            </a:outerShdw>
+          </a:effectLst>
+        </p:spPr>
+      </p:pic>
+      <p:sp>
+        <p:nvSpPr>
+          <p:cNvPr id="9" name="Rectangle 8"/>
+          <p:cNvSpPr>
+            <a:spLocks noGrp="1" noRot="1" noChangeAspect="1" noMove="1" noResize="1" noEditPoints="1" noAdjustHandles="1" noChangeArrowheads="1" noChangeShapeType="1" noTextEdit="1"/>
+          </p:cNvSpPr>
+          <p:nvPr>
+            <p:extLst>
+              <p:ext uri="{386F3935-93C4-4BCD-93E2-E3B085C9AB24}">
+                <p16:designElem xmlns:p16="http://schemas.microsoft.com/office/powerpoint/2015/main" val="1"/>
+              </p:ext>
+            </p:extLst>
+          </p:nvPr>
+        </p:nvSpPr>
+        <p:spPr>
+          <a:xfrm>
+            <a:off x="10437812" y="0"/>
+            <a:ext cx="685800" cy="1143000"/>
+          </a:xfrm>
+          <a:prstGeom prst="rect">
+            <a:avLst/>
+          </a:prstGeom>
+          <a:solidFill>
+            <a:schemeClr val="accent1"/>
+          </a:solidFill>
+          <a:ln>
+            <a:noFill/>
+          </a:ln>
+        </p:spPr>
+        <p:style>
+          <a:lnRef idx="1">
+            <a:schemeClr val="accent1"/>
+          </a:lnRef>
+          <a:fillRef idx="3">
+            <a:schemeClr val="accent1"/>
+          </a:fillRef>
+          <a:effectRef idx="2">
+            <a:schemeClr val="accent1"/>
+          </a:effectRef>
+          <a:fontRef idx="minor">
+            <a:schemeClr val="lt1"/>
+          </a:fontRef>
+        </p:style>
+      </p:sp>
       <p:sp>
         <p:nvSpPr>
           <p:cNvPr id="2" name="Title 1"/>
@@ -6942,32 +7372,10 @@
             <p:ph type="title"/>
           </p:nvPr>
         </p:nvSpPr>
-        <p:spPr/>
-        <p:txBody>
-          <a:bodyPr/>
-          <a:lstStyle/>
-          <a:p>
-            <a:r>
-              <a:rPr lang="en-GB" dirty="0"/>
-              <a:t>Building Meshes</a:t>
-            </a:r>
-          </a:p>
-        </p:txBody>
-      </p:sp>
-      <p:sp>
-        <p:nvSpPr>
-          <p:cNvPr id="3" name="Content Placeholder 2"/>
-          <p:cNvSpPr>
-            <a:spLocks noGrp="1"/>
-          </p:cNvSpPr>
-          <p:nvPr>
-            <p:ph idx="1"/>
-          </p:nvPr>
-        </p:nvSpPr>
-        <p:spPr>
-          <a:xfrm>
-            <a:off x="1296259" y="1977418"/>
-            <a:ext cx="2906625" cy="4195481"/>
+        <p:spPr>
+          <a:xfrm>
+            <a:off x="646111" y="609601"/>
+            <a:ext cx="6246093" cy="1675975"/>
           </a:xfrm>
         </p:spPr>
         <p:txBody>
@@ -6977,28 +7385,57 @@
           <a:lstStyle/>
           <a:p>
             <a:r>
-              <a:rPr lang="en-GB" sz="2400" dirty="0"/>
+              <a:rPr lang="en-GB" dirty="0"/>
+              <a:t>Building Meshes</a:t>
+            </a:r>
+          </a:p>
+        </p:txBody>
+      </p:sp>
+      <p:sp>
+        <p:nvSpPr>
+          <p:cNvPr id="3" name="Content Placeholder 2"/>
+          <p:cNvSpPr>
+            <a:spLocks noGrp="1"/>
+          </p:cNvSpPr>
+          <p:nvPr>
+            <p:ph idx="1"/>
+          </p:nvPr>
+        </p:nvSpPr>
+        <p:spPr>
+          <a:xfrm>
+            <a:off x="642175" y="2484544"/>
+            <a:ext cx="6253484" cy="3763855"/>
+          </a:xfrm>
+        </p:spPr>
+        <p:txBody>
+          <a:bodyPr>
+            <a:normAutofit/>
+          </a:bodyPr>
+          <a:lstStyle/>
+          <a:p>
+            <a:r>
+              <a:rPr lang="en-GB" sz="2800" dirty="0"/>
               <a:t>Finish the main part of the church</a:t>
             </a:r>
           </a:p>
           <a:p>
             <a:r>
-              <a:rPr lang="en-GB" sz="2400" dirty="0"/>
+              <a:rPr lang="en-GB" sz="2800" dirty="0"/>
               <a:t>Create the Large House </a:t>
             </a:r>
           </a:p>
           <a:p>
             <a:r>
-              <a:rPr lang="en-GB" sz="2400" dirty="0"/>
+              <a:rPr lang="en-GB" sz="2800" dirty="0"/>
               <a:t>Reference Images </a:t>
             </a:r>
             <a:r>
-              <a:rPr lang="en-GB" sz="2400" dirty="0">
+              <a:rPr lang="en-GB" sz="2800" dirty="0">
                 <a:sym typeface="Wingdings" panose="05000000000000000000" pitchFamily="2" charset="2"/>
               </a:rPr>
               <a:t></a:t>
             </a:r>
-            <a:endParaRPr lang="en-GB" sz="2400" dirty="0"/>
+            <a:endParaRPr lang="en-GB" sz="2800" dirty="0"/>
           </a:p>
         </p:txBody>
       </p:sp>

--- a/Documentation/Final Project Presentation.pptx
+++ b/Documentation/Final Project Presentation.pptx
@@ -308,7 +308,7 @@
           <a:p>
             <a:fld id="{6D9515F0-60EE-424D-BA14-C8C6E83076E6}" type="datetimeFigureOut">
               <a:rPr lang="en-GB" smtClean="0"/>
-              <a:t>13/02/2017</a:t>
+              <a:t>14/02/2017</a:t>
             </a:fld>
             <a:endParaRPr lang="en-GB"/>
           </a:p>
@@ -583,7 +583,7 @@
           <a:p>
             <a:fld id="{6D9515F0-60EE-424D-BA14-C8C6E83076E6}" type="datetimeFigureOut">
               <a:rPr lang="en-GB" smtClean="0"/>
-              <a:t>13/02/2017</a:t>
+              <a:t>14/02/2017</a:t>
             </a:fld>
             <a:endParaRPr lang="en-GB"/>
           </a:p>
@@ -777,7 +777,7 @@
           <a:p>
             <a:fld id="{6D9515F0-60EE-424D-BA14-C8C6E83076E6}" type="datetimeFigureOut">
               <a:rPr lang="en-GB" smtClean="0"/>
-              <a:t>13/02/2017</a:t>
+              <a:t>14/02/2017</a:t>
             </a:fld>
             <a:endParaRPr lang="en-GB"/>
           </a:p>
@@ -1050,7 +1050,7 @@
           <a:p>
             <a:fld id="{6D9515F0-60EE-424D-BA14-C8C6E83076E6}" type="datetimeFigureOut">
               <a:rPr lang="en-GB" smtClean="0"/>
-              <a:t>13/02/2017</a:t>
+              <a:t>14/02/2017</a:t>
             </a:fld>
             <a:endParaRPr lang="en-GB"/>
           </a:p>
@@ -1391,7 +1391,7 @@
           <a:p>
             <a:fld id="{6D9515F0-60EE-424D-BA14-C8C6E83076E6}" type="datetimeFigureOut">
               <a:rPr lang="en-GB" smtClean="0"/>
-              <a:t>13/02/2017</a:t>
+              <a:t>14/02/2017</a:t>
             </a:fld>
             <a:endParaRPr lang="en-GB"/>
           </a:p>
@@ -2014,7 +2014,7 @@
           <a:p>
             <a:fld id="{6D9515F0-60EE-424D-BA14-C8C6E83076E6}" type="datetimeFigureOut">
               <a:rPr lang="en-GB" smtClean="0"/>
-              <a:t>13/02/2017</a:t>
+              <a:t>14/02/2017</a:t>
             </a:fld>
             <a:endParaRPr lang="en-GB"/>
           </a:p>
@@ -2874,7 +2874,7 @@
           <a:p>
             <a:fld id="{6D9515F0-60EE-424D-BA14-C8C6E83076E6}" type="datetimeFigureOut">
               <a:rPr lang="en-GB" smtClean="0"/>
-              <a:t>13/02/2017</a:t>
+              <a:t>14/02/2017</a:t>
             </a:fld>
             <a:endParaRPr lang="en-GB"/>
           </a:p>
@@ -3044,7 +3044,7 @@
           <a:p>
             <a:fld id="{6D9515F0-60EE-424D-BA14-C8C6E83076E6}" type="datetimeFigureOut">
               <a:rPr lang="en-GB" smtClean="0"/>
-              <a:t>13/02/2017</a:t>
+              <a:t>14/02/2017</a:t>
             </a:fld>
             <a:endParaRPr lang="en-GB"/>
           </a:p>
@@ -3224,7 +3224,7 @@
           <a:p>
             <a:fld id="{6D9515F0-60EE-424D-BA14-C8C6E83076E6}" type="datetimeFigureOut">
               <a:rPr lang="en-GB" smtClean="0"/>
-              <a:t>13/02/2017</a:t>
+              <a:t>14/02/2017</a:t>
             </a:fld>
             <a:endParaRPr lang="en-GB"/>
           </a:p>
@@ -3394,7 +3394,7 @@
           <a:p>
             <a:fld id="{6D9515F0-60EE-424D-BA14-C8C6E83076E6}" type="datetimeFigureOut">
               <a:rPr lang="en-GB" smtClean="0"/>
-              <a:t>13/02/2017</a:t>
+              <a:t>14/02/2017</a:t>
             </a:fld>
             <a:endParaRPr lang="en-GB"/>
           </a:p>
@@ -3641,7 +3641,7 @@
           <a:p>
             <a:fld id="{6D9515F0-60EE-424D-BA14-C8C6E83076E6}" type="datetimeFigureOut">
               <a:rPr lang="en-GB" smtClean="0"/>
-              <a:t>13/02/2017</a:t>
+              <a:t>14/02/2017</a:t>
             </a:fld>
             <a:endParaRPr lang="en-GB"/>
           </a:p>
@@ -3933,7 +3933,7 @@
           <a:p>
             <a:fld id="{6D9515F0-60EE-424D-BA14-C8C6E83076E6}" type="datetimeFigureOut">
               <a:rPr lang="en-GB" smtClean="0"/>
-              <a:t>13/02/2017</a:t>
+              <a:t>14/02/2017</a:t>
             </a:fld>
             <a:endParaRPr lang="en-GB"/>
           </a:p>
@@ -4377,7 +4377,7 @@
           <a:p>
             <a:fld id="{6D9515F0-60EE-424D-BA14-C8C6E83076E6}" type="datetimeFigureOut">
               <a:rPr lang="en-GB" smtClean="0"/>
-              <a:t>13/02/2017</a:t>
+              <a:t>14/02/2017</a:t>
             </a:fld>
             <a:endParaRPr lang="en-GB"/>
           </a:p>
@@ -4495,7 +4495,7 @@
           <a:p>
             <a:fld id="{6D9515F0-60EE-424D-BA14-C8C6E83076E6}" type="datetimeFigureOut">
               <a:rPr lang="en-GB" smtClean="0"/>
-              <a:t>13/02/2017</a:t>
+              <a:t>14/02/2017</a:t>
             </a:fld>
             <a:endParaRPr lang="en-GB"/>
           </a:p>
@@ -4590,7 +4590,7 @@
           <a:p>
             <a:fld id="{6D9515F0-60EE-424D-BA14-C8C6E83076E6}" type="datetimeFigureOut">
               <a:rPr lang="en-GB" smtClean="0"/>
-              <a:t>13/02/2017</a:t>
+              <a:t>14/02/2017</a:t>
             </a:fld>
             <a:endParaRPr lang="en-GB"/>
           </a:p>
@@ -4869,7 +4869,7 @@
           <a:p>
             <a:fld id="{6D9515F0-60EE-424D-BA14-C8C6E83076E6}" type="datetimeFigureOut">
               <a:rPr lang="en-GB" smtClean="0"/>
-              <a:t>13/02/2017</a:t>
+              <a:t>14/02/2017</a:t>
             </a:fld>
             <a:endParaRPr lang="en-GB"/>
           </a:p>
@@ -5144,7 +5144,7 @@
           <a:p>
             <a:fld id="{6D9515F0-60EE-424D-BA14-C8C6E83076E6}" type="datetimeFigureOut">
               <a:rPr lang="en-GB" smtClean="0"/>
-              <a:t>13/02/2017</a:t>
+              <a:t>14/02/2017</a:t>
             </a:fld>
             <a:endParaRPr lang="en-GB"/>
           </a:p>
@@ -5573,7 +5573,7 @@
           <a:p>
             <a:fld id="{6D9515F0-60EE-424D-BA14-C8C6E83076E6}" type="datetimeFigureOut">
               <a:rPr lang="en-GB" smtClean="0"/>
-              <a:t>13/02/2017</a:t>
+              <a:t>14/02/2017</a:t>
             </a:fld>
             <a:endParaRPr lang="en-GB"/>
           </a:p>
@@ -6281,13 +6281,13 @@
           <a:lstStyle/>
           <a:p>
             <a:r>
-              <a:rPr lang="en-GB"/>
+              <a:rPr lang="en-GB" sz="3200" dirty="0"/>
               <a:t>Start to plan out prop placement</a:t>
             </a:r>
           </a:p>
           <a:p>
             <a:r>
-              <a:rPr lang="en-GB"/>
+              <a:rPr lang="en-GB" sz="3200" dirty="0"/>
               <a:t>Start to compile the map as I complete assets</a:t>
             </a:r>
           </a:p>
@@ -6336,11 +6336,17 @@
             <p:ph type="ctrTitle"/>
           </p:nvPr>
         </p:nvSpPr>
-        <p:spPr/>
+        <p:spPr>
+          <a:xfrm>
+            <a:off x="1189139" y="516308"/>
+            <a:ext cx="8825658" cy="3329581"/>
+          </a:xfrm>
+        </p:spPr>
         <p:txBody>
           <a:bodyPr/>
           <a:lstStyle/>
           <a:p>
+            <a:pPr algn="ctr"/>
             <a:r>
               <a:rPr lang="en-GB" dirty="0"/>
               <a:t>Questions?</a:t>
@@ -7122,70 +7128,6 @@
           <a:chExt cx="0" cy="0"/>
         </a:xfrm>
       </p:grpSpPr>
-      <p:sp>
-        <p:nvSpPr>
-          <p:cNvPr id="2" name="Title 1"/>
-          <p:cNvSpPr>
-            <a:spLocks noGrp="1"/>
-          </p:cNvSpPr>
-          <p:nvPr>
-            <p:ph type="title"/>
-          </p:nvPr>
-        </p:nvSpPr>
-        <p:spPr/>
-        <p:txBody>
-          <a:bodyPr/>
-          <a:lstStyle/>
-          <a:p>
-            <a:r>
-              <a:rPr lang="en-GB" dirty="0"/>
-              <a:t>Dividers</a:t>
-            </a:r>
-          </a:p>
-        </p:txBody>
-      </p:sp>
-      <p:sp>
-        <p:nvSpPr>
-          <p:cNvPr id="3" name="Content Placeholder 2"/>
-          <p:cNvSpPr>
-            <a:spLocks noGrp="1"/>
-          </p:cNvSpPr>
-          <p:nvPr>
-            <p:ph idx="1"/>
-          </p:nvPr>
-        </p:nvSpPr>
-        <p:spPr>
-          <a:xfrm>
-            <a:off x="1103313" y="2052918"/>
-            <a:ext cx="2822736" cy="4195481"/>
-          </a:xfrm>
-        </p:spPr>
-        <p:txBody>
-          <a:bodyPr/>
-          <a:lstStyle/>
-          <a:p>
-            <a:r>
-              <a:rPr lang="en-GB" sz="2800" dirty="0"/>
-              <a:t>Small Pieces to break up the empty land</a:t>
-            </a:r>
-          </a:p>
-          <a:p>
-            <a:r>
-              <a:rPr lang="en-GB" sz="2800" dirty="0"/>
-              <a:t>Stone Walls</a:t>
-            </a:r>
-          </a:p>
-          <a:p>
-            <a:r>
-              <a:rPr lang="en-GB" sz="2800" dirty="0"/>
-              <a:t>Props</a:t>
-            </a:r>
-          </a:p>
-          <a:p>
-            <a:endParaRPr lang="en-GB" dirty="0"/>
-          </a:p>
-        </p:txBody>
-      </p:sp>
       <p:pic>
         <p:nvPicPr>
           <p:cNvPr id="4" name="Picture 3"/>
@@ -7194,7 +7136,7 @@
           </p:cNvPicPr>
           <p:nvPr/>
         </p:nvPicPr>
-        <p:blipFill>
+        <p:blipFill rotWithShape="1">
           <a:blip r:embed="rId2">
             <a:extLst>
               <a:ext uri="{28A0092B-C50C-407E-A947-70E740481C1C}">
@@ -7202,20 +7144,179 @@
               </a:ext>
             </a:extLst>
           </a:blip>
-          <a:stretch>
-            <a:fillRect/>
-          </a:stretch>
+          <a:srcRect r="-4" b="7559"/>
+          <a:stretch/>
         </p:blipFill>
         <p:spPr>
           <a:xfrm>
-            <a:off x="4416490" y="954010"/>
-            <a:ext cx="3243943" cy="2432957"/>
+            <a:off x="7554138" y="609137"/>
+            <a:ext cx="3990161" cy="2766290"/>
           </a:xfrm>
           <a:prstGeom prst="rect">
             <a:avLst/>
           </a:prstGeom>
+          <a:effectLst>
+            <a:outerShdw blurRad="50800" dist="38100" dir="5400000" algn="t" rotWithShape="0">
+              <a:prstClr val="black">
+                <a:alpha val="43000"/>
+              </a:prstClr>
+            </a:outerShdw>
+          </a:effectLst>
         </p:spPr>
       </p:pic>
+      <p:pic>
+        <p:nvPicPr>
+          <p:cNvPr id="5" name="Picture 4"/>
+          <p:cNvPicPr>
+            <a:picLocks noChangeAspect="1"/>
+          </p:cNvPicPr>
+          <p:nvPr/>
+        </p:nvPicPr>
+        <p:blipFill rotWithShape="1">
+          <a:blip r:embed="rId3">
+            <a:extLst>
+              <a:ext uri="{28A0092B-C50C-407E-A947-70E740481C1C}">
+                <a14:useLocalDpi xmlns:a14="http://schemas.microsoft.com/office/drawing/2010/main" val="0"/>
+              </a:ext>
+            </a:extLst>
+          </a:blip>
+          <a:srcRect l="12085" r="6417" b="-2"/>
+          <a:stretch/>
+        </p:blipFill>
+        <p:spPr>
+          <a:xfrm>
+            <a:off x="7554138" y="3482108"/>
+            <a:ext cx="3990161" cy="2766290"/>
+          </a:xfrm>
+          <a:prstGeom prst="rect">
+            <a:avLst/>
+          </a:prstGeom>
+          <a:effectLst>
+            <a:outerShdw blurRad="50800" dist="38100" dir="5400000" algn="t" rotWithShape="0">
+              <a:prstClr val="black">
+                <a:alpha val="43000"/>
+              </a:prstClr>
+            </a:outerShdw>
+          </a:effectLst>
+        </p:spPr>
+      </p:pic>
+      <p:sp>
+        <p:nvSpPr>
+          <p:cNvPr id="9" name="Rectangle 8"/>
+          <p:cNvSpPr>
+            <a:spLocks noGrp="1" noRot="1" noChangeAspect="1" noMove="1" noResize="1" noEditPoints="1" noAdjustHandles="1" noChangeArrowheads="1" noChangeShapeType="1" noTextEdit="1"/>
+          </p:cNvSpPr>
+          <p:nvPr>
+            <p:extLst>
+              <p:ext uri="{386F3935-93C4-4BCD-93E2-E3B085C9AB24}">
+                <p16:designElem xmlns:p16="http://schemas.microsoft.com/office/powerpoint/2015/main" val="1"/>
+              </p:ext>
+            </p:extLst>
+          </p:nvPr>
+        </p:nvSpPr>
+        <p:spPr>
+          <a:xfrm>
+            <a:off x="10437812" y="0"/>
+            <a:ext cx="685800" cy="1143000"/>
+          </a:xfrm>
+          <a:prstGeom prst="rect">
+            <a:avLst/>
+          </a:prstGeom>
+          <a:solidFill>
+            <a:schemeClr val="accent1"/>
+          </a:solidFill>
+          <a:ln>
+            <a:noFill/>
+          </a:ln>
+        </p:spPr>
+        <p:style>
+          <a:lnRef idx="1">
+            <a:schemeClr val="accent1"/>
+          </a:lnRef>
+          <a:fillRef idx="3">
+            <a:schemeClr val="accent1"/>
+          </a:fillRef>
+          <a:effectRef idx="2">
+            <a:schemeClr val="accent1"/>
+          </a:effectRef>
+          <a:fontRef idx="minor">
+            <a:schemeClr val="lt1"/>
+          </a:fontRef>
+        </p:style>
+      </p:sp>
+      <p:sp>
+        <p:nvSpPr>
+          <p:cNvPr id="2" name="Title 1"/>
+          <p:cNvSpPr>
+            <a:spLocks noGrp="1"/>
+          </p:cNvSpPr>
+          <p:nvPr>
+            <p:ph type="title"/>
+          </p:nvPr>
+        </p:nvSpPr>
+        <p:spPr>
+          <a:xfrm>
+            <a:off x="646111" y="609601"/>
+            <a:ext cx="6246093" cy="1675975"/>
+          </a:xfrm>
+        </p:spPr>
+        <p:txBody>
+          <a:bodyPr>
+            <a:normAutofit/>
+          </a:bodyPr>
+          <a:lstStyle/>
+          <a:p>
+            <a:r>
+              <a:rPr lang="en-GB" dirty="0"/>
+              <a:t>Dividers</a:t>
+            </a:r>
+          </a:p>
+        </p:txBody>
+      </p:sp>
+      <p:sp>
+        <p:nvSpPr>
+          <p:cNvPr id="3" name="Content Placeholder 2"/>
+          <p:cNvSpPr>
+            <a:spLocks noGrp="1"/>
+          </p:cNvSpPr>
+          <p:nvPr>
+            <p:ph idx="1"/>
+          </p:nvPr>
+        </p:nvSpPr>
+        <p:spPr>
+          <a:xfrm>
+            <a:off x="642175" y="2484544"/>
+            <a:ext cx="6253484" cy="3763855"/>
+          </a:xfrm>
+        </p:spPr>
+        <p:txBody>
+          <a:bodyPr>
+            <a:normAutofit/>
+          </a:bodyPr>
+          <a:lstStyle/>
+          <a:p>
+            <a:r>
+              <a:rPr lang="en-GB" sz="3200" dirty="0"/>
+              <a:t>Small Pieces to break up the empty land</a:t>
+            </a:r>
+          </a:p>
+          <a:p>
+            <a:r>
+              <a:rPr lang="en-GB" sz="3200" dirty="0"/>
+              <a:t>Stone Walls</a:t>
+            </a:r>
+          </a:p>
+          <a:p>
+            <a:r>
+              <a:rPr lang="en-GB" sz="3200" dirty="0"/>
+              <a:t>Props</a:t>
+            </a:r>
+          </a:p>
+          <a:p>
+            <a:endParaRPr lang="en-GB" dirty="0"/>
+          </a:p>
+        </p:txBody>
+      </p:sp>
     </p:spTree>
     <p:extLst>
       <p:ext uri="{BB962C8B-B14F-4D97-AF65-F5344CB8AC3E}">
